--- a/Szablon.pptx
+++ b/Szablon.pptx
@@ -6,6 +6,8 @@
   </p:sldMasterIdLst>
   <p:sldIdLst>
     <p:sldId id="257" r:id="rId2"/>
+    <p:sldId id="258" r:id="rId3"/>
+    <p:sldId id="259" r:id="rId4"/>
   </p:sldIdLst>
   <p:sldSz cx="12192000" cy="6858000"/>
   <p:notesSz cx="6858000" cy="9144000"/>
@@ -243,7 +245,7 @@
           <a:p>
             <a:fld id="{1FD5E0EF-C5B8-491C-ADDF-2147CA0C44E8}" type="datetimeFigureOut">
               <a:rPr lang="pl-PL" smtClean="0"/>
-              <a:t>15.06.2021</a:t>
+              <a:t>21.06.2021</a:t>
             </a:fld>
             <a:endParaRPr lang="pl-PL"/>
           </a:p>
@@ -413,7 +415,7 @@
           <a:p>
             <a:fld id="{1FD5E0EF-C5B8-491C-ADDF-2147CA0C44E8}" type="datetimeFigureOut">
               <a:rPr lang="pl-PL" smtClean="0"/>
-              <a:t>15.06.2021</a:t>
+              <a:t>21.06.2021</a:t>
             </a:fld>
             <a:endParaRPr lang="pl-PL"/>
           </a:p>
@@ -593,7 +595,7 @@
           <a:p>
             <a:fld id="{1FD5E0EF-C5B8-491C-ADDF-2147CA0C44E8}" type="datetimeFigureOut">
               <a:rPr lang="pl-PL" smtClean="0"/>
-              <a:t>15.06.2021</a:t>
+              <a:t>21.06.2021</a:t>
             </a:fld>
             <a:endParaRPr lang="pl-PL"/>
           </a:p>
@@ -763,7 +765,7 @@
           <a:p>
             <a:fld id="{1FD5E0EF-C5B8-491C-ADDF-2147CA0C44E8}" type="datetimeFigureOut">
               <a:rPr lang="pl-PL" smtClean="0"/>
-              <a:t>15.06.2021</a:t>
+              <a:t>21.06.2021</a:t>
             </a:fld>
             <a:endParaRPr lang="pl-PL"/>
           </a:p>
@@ -1009,7 +1011,7 @@
           <a:p>
             <a:fld id="{1FD5E0EF-C5B8-491C-ADDF-2147CA0C44E8}" type="datetimeFigureOut">
               <a:rPr lang="pl-PL" smtClean="0"/>
-              <a:t>15.06.2021</a:t>
+              <a:t>21.06.2021</a:t>
             </a:fld>
             <a:endParaRPr lang="pl-PL"/>
           </a:p>
@@ -1241,7 +1243,7 @@
           <a:p>
             <a:fld id="{1FD5E0EF-C5B8-491C-ADDF-2147CA0C44E8}" type="datetimeFigureOut">
               <a:rPr lang="pl-PL" smtClean="0"/>
-              <a:t>15.06.2021</a:t>
+              <a:t>21.06.2021</a:t>
             </a:fld>
             <a:endParaRPr lang="pl-PL"/>
           </a:p>
@@ -1608,7 +1610,7 @@
           <a:p>
             <a:fld id="{1FD5E0EF-C5B8-491C-ADDF-2147CA0C44E8}" type="datetimeFigureOut">
               <a:rPr lang="pl-PL" smtClean="0"/>
-              <a:t>15.06.2021</a:t>
+              <a:t>21.06.2021</a:t>
             </a:fld>
             <a:endParaRPr lang="pl-PL"/>
           </a:p>
@@ -1726,7 +1728,7 @@
           <a:p>
             <a:fld id="{1FD5E0EF-C5B8-491C-ADDF-2147CA0C44E8}" type="datetimeFigureOut">
               <a:rPr lang="pl-PL" smtClean="0"/>
-              <a:t>15.06.2021</a:t>
+              <a:t>21.06.2021</a:t>
             </a:fld>
             <a:endParaRPr lang="pl-PL"/>
           </a:p>
@@ -1821,7 +1823,7 @@
           <a:p>
             <a:fld id="{1FD5E0EF-C5B8-491C-ADDF-2147CA0C44E8}" type="datetimeFigureOut">
               <a:rPr lang="pl-PL" smtClean="0"/>
-              <a:t>15.06.2021</a:t>
+              <a:t>21.06.2021</a:t>
             </a:fld>
             <a:endParaRPr lang="pl-PL"/>
           </a:p>
@@ -2098,7 +2100,7 @@
           <a:p>
             <a:fld id="{1FD5E0EF-C5B8-491C-ADDF-2147CA0C44E8}" type="datetimeFigureOut">
               <a:rPr lang="pl-PL" smtClean="0"/>
-              <a:t>15.06.2021</a:t>
+              <a:t>21.06.2021</a:t>
             </a:fld>
             <a:endParaRPr lang="pl-PL"/>
           </a:p>
@@ -2351,7 +2353,7 @@
           <a:p>
             <a:fld id="{1FD5E0EF-C5B8-491C-ADDF-2147CA0C44E8}" type="datetimeFigureOut">
               <a:rPr lang="pl-PL" smtClean="0"/>
-              <a:t>15.06.2021</a:t>
+              <a:t>21.06.2021</a:t>
             </a:fld>
             <a:endParaRPr lang="pl-PL"/>
           </a:p>
@@ -2564,7 +2566,7 @@
           <a:p>
             <a:fld id="{1FD5E0EF-C5B8-491C-ADDF-2147CA0C44E8}" type="datetimeFigureOut">
               <a:rPr lang="pl-PL" smtClean="0"/>
-              <a:t>15.06.2021</a:t>
+              <a:t>21.06.2021</a:t>
             </a:fld>
             <a:endParaRPr lang="pl-PL"/>
           </a:p>
@@ -3000,6 +3002,95 @@
 </p:sld>
 </file>
 
+<file path=ppt/slides/slide2.xml><?xml version="1.0" encoding="utf-8"?>
+<p:sld xmlns:a="http://schemas.openxmlformats.org/drawingml/2006/main" xmlns:r="http://schemas.openxmlformats.org/officeDocument/2006/relationships" xmlns:p="http://schemas.openxmlformats.org/presentationml/2006/main">
+  <p:cSld>
+    <p:bg>
+      <p:bgPr>
+        <a:solidFill>
+          <a:schemeClr val="accent1">
+            <a:lumMod val="20000"/>
+            <a:lumOff val="80000"/>
+          </a:schemeClr>
+        </a:solidFill>
+        <a:effectLst/>
+      </p:bgPr>
+    </p:bg>
+    <p:spTree>
+      <p:nvGrpSpPr>
+        <p:cNvPr id="1" name=""/>
+        <p:cNvGrpSpPr/>
+        <p:nvPr/>
+      </p:nvGrpSpPr>
+      <p:grpSpPr>
+        <a:xfrm>
+          <a:off x="0" y="0"/>
+          <a:ext cx="0" cy="0"/>
+          <a:chOff x="0" y="0"/>
+          <a:chExt cx="0" cy="0"/>
+        </a:xfrm>
+      </p:grpSpPr>
+    </p:spTree>
+    <p:extLst>
+      <p:ext uri="{BB962C8B-B14F-4D97-AF65-F5344CB8AC3E}">
+        <p14:creationId xmlns:p14="http://schemas.microsoft.com/office/powerpoint/2010/main" val="886306735"/>
+      </p:ext>
+    </p:extLst>
+  </p:cSld>
+  <p:clrMapOvr>
+    <a:masterClrMapping/>
+  </p:clrMapOvr>
+  <p:timing>
+    <p:tnLst>
+      <p:par>
+        <p:cTn id="1" dur="indefinite" restart="never" nodeType="tmRoot"/>
+      </p:par>
+    </p:tnLst>
+  </p:timing>
+</p:sld>
+</file>
+
+<file path=ppt/slides/slide3.xml><?xml version="1.0" encoding="utf-8"?>
+<p:sld xmlns:a="http://schemas.openxmlformats.org/drawingml/2006/main" xmlns:r="http://schemas.openxmlformats.org/officeDocument/2006/relationships" xmlns:p="http://schemas.openxmlformats.org/presentationml/2006/main">
+  <p:cSld>
+    <p:bg>
+      <p:bgPr>
+        <a:solidFill>
+          <a:schemeClr val="accent1">
+            <a:lumMod val="20000"/>
+            <a:lumOff val="80000"/>
+          </a:schemeClr>
+        </a:solidFill>
+        <a:effectLst/>
+      </p:bgPr>
+    </p:bg>
+    <p:spTree>
+      <p:nvGrpSpPr>
+        <p:cNvPr id="1" name=""/>
+        <p:cNvGrpSpPr/>
+        <p:nvPr/>
+      </p:nvGrpSpPr>
+      <p:grpSpPr>
+        <a:xfrm>
+          <a:off x="0" y="0"/>
+          <a:ext cx="0" cy="0"/>
+          <a:chOff x="0" y="0"/>
+          <a:chExt cx="0" cy="0"/>
+        </a:xfrm>
+      </p:grpSpPr>
+    </p:spTree>
+    <p:extLst>
+      <p:ext uri="{BB962C8B-B14F-4D97-AF65-F5344CB8AC3E}">
+        <p14:creationId xmlns:p14="http://schemas.microsoft.com/office/powerpoint/2010/main" val="3755608362"/>
+      </p:ext>
+    </p:extLst>
+  </p:cSld>
+  <p:clrMapOvr>
+    <a:masterClrMapping/>
+  </p:clrMapOvr>
+</p:sld>
+</file>
+
 <file path=ppt/theme/theme1.xml><?xml version="1.0" encoding="utf-8"?>
 <a:theme xmlns:a="http://schemas.openxmlformats.org/drawingml/2006/main" name="Motyw pakietu Office">
   <a:themeElements>
